--- a/content/J-Search/J-Search.pptx
+++ b/content/J-Search/J-Search.pptx
@@ -3710,6 +3710,15 @@
             <a:pPr marL="228600" indent="-228600">
               <a:buAutoNum type="arabicPeriod"/>
             </a:pPr>
+            <a:r>
+              <a:rPr lang="en-US" dirty="0"/>
+              <a:t>False</a:t>
+            </a:r>
+          </a:p>
+          <a:p>
+            <a:pPr marL="228600" indent="-228600">
+              <a:buAutoNum type="arabicPeriod"/>
+            </a:pPr>
             <a:endParaRPr lang="en-US" dirty="0"/>
           </a:p>
         </p:txBody>
@@ -22592,7 +22601,28 @@
           <a:p>
             <a:r>
               <a:rPr lang="en-US" dirty="0"/>
-              <a:t>Canvas – pixel perfect presentations of data</a:t>
+              <a:t>Canvas</a:t>
+            </a:r>
+          </a:p>
+          <a:p>
+            <a:pPr lvl="1"/>
+            <a:r>
+              <a:rPr lang="en-US" dirty="0"/>
+              <a:t>pixel perfect presentations </a:t>
+            </a:r>
+          </a:p>
+          <a:p>
+            <a:pPr lvl="1"/>
+            <a:r>
+              <a:rPr lang="en-US" dirty="0"/>
+              <a:t>Supports SQL like syntax.</a:t>
+            </a:r>
+          </a:p>
+          <a:p>
+            <a:pPr lvl="1"/>
+            <a:r>
+              <a:rPr lang="en-US" dirty="0"/>
+              <a:t>Refined Dashboard</a:t>
             </a:r>
           </a:p>
           <a:p>
@@ -23058,7 +23088,7 @@
             <a:pPr lvl="1"/>
             <a:r>
               <a:rPr lang="en-US" sz="2800" dirty="0"/>
-              <a:t>Create Canvas of Hashtags / tweet counts?</a:t>
+              <a:t>Create Canvas of users / tweet counts</a:t>
             </a:r>
           </a:p>
           <a:p>
@@ -23204,6 +23234,16 @@
             <a:r>
               <a:rPr lang="en-US" dirty="0"/>
               <a:t>A dashboard allows for user interactions.</a:t>
+            </a:r>
+          </a:p>
+          <a:p>
+            <a:pPr marL="514350" indent="-514350">
+              <a:buFont typeface="+mj-lt"/>
+              <a:buAutoNum type="arabicPeriod"/>
+            </a:pPr>
+            <a:r>
+              <a:rPr lang="en-US" dirty="0"/>
+              <a:t>Dashboard can be queried with SQL.</a:t>
             </a:r>
           </a:p>
         </p:txBody>
